--- a/Teorie/prezentareFinal.pptx
+++ b/Teorie/prezentareFinal.pptx
@@ -231,7 +231,7 @@
           <a:p>
             <a:fld id="{B9386158-112B-4FF8-B6A9-DE1B71C15D04}" type="datetimeFigureOut">
               <a:rPr lang="ro-RO" smtClean="0"/>
-              <a:t>19.06.2020</a:t>
+              <a:t>20.06.2020</a:t>
             </a:fld>
             <a:endParaRPr lang="ro-RO"/>
           </a:p>
@@ -769,7 +769,7 @@
             <a:fld id="{69E7B2AD-34D6-4093-8772-DC8079B6D005}" type="datetimeFigureOut">
               <a:rPr lang="en-US" smtClean="0"/>
               <a:pPr/>
-              <a:t>6/19/2020</a:t>
+              <a:t>6/20/2020</a:t>
             </a:fld>
             <a:endParaRPr lang="en-US"/>
           </a:p>
@@ -936,7 +936,7 @@
             <a:fld id="{69E7B2AD-34D6-4093-8772-DC8079B6D005}" type="datetimeFigureOut">
               <a:rPr lang="en-US" smtClean="0"/>
               <a:pPr/>
-              <a:t>6/19/2020</a:t>
+              <a:t>6/20/2020</a:t>
             </a:fld>
             <a:endParaRPr lang="en-US"/>
           </a:p>
@@ -1113,7 +1113,7 @@
             <a:fld id="{69E7B2AD-34D6-4093-8772-DC8079B6D005}" type="datetimeFigureOut">
               <a:rPr lang="en-US" smtClean="0"/>
               <a:pPr/>
-              <a:t>6/19/2020</a:t>
+              <a:t>6/20/2020</a:t>
             </a:fld>
             <a:endParaRPr lang="en-US"/>
           </a:p>
@@ -1280,7 +1280,7 @@
             <a:fld id="{69E7B2AD-34D6-4093-8772-DC8079B6D005}" type="datetimeFigureOut">
               <a:rPr lang="en-US" smtClean="0"/>
               <a:pPr/>
-              <a:t>6/19/2020</a:t>
+              <a:t>6/20/2020</a:t>
             </a:fld>
             <a:endParaRPr lang="en-US"/>
           </a:p>
@@ -1523,7 +1523,7 @@
             <a:fld id="{69E7B2AD-34D6-4093-8772-DC8079B6D005}" type="datetimeFigureOut">
               <a:rPr lang="en-US" smtClean="0"/>
               <a:pPr/>
-              <a:t>6/19/2020</a:t>
+              <a:t>6/20/2020</a:t>
             </a:fld>
             <a:endParaRPr lang="en-US"/>
           </a:p>
@@ -1808,7 +1808,7 @@
             <a:fld id="{69E7B2AD-34D6-4093-8772-DC8079B6D005}" type="datetimeFigureOut">
               <a:rPr lang="en-US" smtClean="0"/>
               <a:pPr/>
-              <a:t>6/19/2020</a:t>
+              <a:t>6/20/2020</a:t>
             </a:fld>
             <a:endParaRPr lang="en-US"/>
           </a:p>
@@ -2227,7 +2227,7 @@
             <a:fld id="{69E7B2AD-34D6-4093-8772-DC8079B6D005}" type="datetimeFigureOut">
               <a:rPr lang="en-US" smtClean="0"/>
               <a:pPr/>
-              <a:t>6/19/2020</a:t>
+              <a:t>6/20/2020</a:t>
             </a:fld>
             <a:endParaRPr lang="en-US"/>
           </a:p>
@@ -2342,7 +2342,7 @@
             <a:fld id="{69E7B2AD-34D6-4093-8772-DC8079B6D005}" type="datetimeFigureOut">
               <a:rPr lang="en-US" smtClean="0"/>
               <a:pPr/>
-              <a:t>6/19/2020</a:t>
+              <a:t>6/20/2020</a:t>
             </a:fld>
             <a:endParaRPr lang="en-US"/>
           </a:p>
@@ -2434,7 +2434,7 @@
             <a:fld id="{69E7B2AD-34D6-4093-8772-DC8079B6D005}" type="datetimeFigureOut">
               <a:rPr lang="en-US" smtClean="0"/>
               <a:pPr/>
-              <a:t>6/19/2020</a:t>
+              <a:t>6/20/2020</a:t>
             </a:fld>
             <a:endParaRPr lang="en-US"/>
           </a:p>
@@ -2708,7 +2708,7 @@
             <a:fld id="{69E7B2AD-34D6-4093-8772-DC8079B6D005}" type="datetimeFigureOut">
               <a:rPr lang="en-US" smtClean="0"/>
               <a:pPr/>
-              <a:t>6/19/2020</a:t>
+              <a:t>6/20/2020</a:t>
             </a:fld>
             <a:endParaRPr lang="en-US"/>
           </a:p>
@@ -2958,7 +2958,7 @@
             <a:fld id="{69E7B2AD-34D6-4093-8772-DC8079B6D005}" type="datetimeFigureOut">
               <a:rPr lang="en-US" smtClean="0"/>
               <a:pPr/>
-              <a:t>6/19/2020</a:t>
+              <a:t>6/20/2020</a:t>
             </a:fld>
             <a:endParaRPr lang="en-US"/>
           </a:p>
@@ -3168,7 +3168,7 @@
             <a:fld id="{69E7B2AD-34D6-4093-8772-DC8079B6D005}" type="datetimeFigureOut">
               <a:rPr lang="en-US" smtClean="0"/>
               <a:pPr/>
-              <a:t>6/19/2020</a:t>
+              <a:t>6/20/2020</a:t>
             </a:fld>
             <a:endParaRPr lang="en-US"/>
           </a:p>
@@ -3970,8 +3970,13 @@
           <a:p>
             <a:r>
               <a:rPr lang="ro-RO" dirty="0"/>
-              <a:t>2018</a:t>
-            </a:r>
+              <a:t>20</a:t>
+            </a:r>
+            <a:r>
+              <a:rPr lang="en-US" dirty="0"/>
+              <a:t>20</a:t>
+            </a:r>
+            <a:endParaRPr lang="ro-RO" dirty="0"/>
           </a:p>
         </p:txBody>
       </p:sp>
